--- a/Homework9-Final/Final Presentation.pptx
+++ b/Homework9-Final/Final Presentation.pptx
@@ -7,10 +7,14 @@
   <p:sldIdLst>
     <p:sldId id="256" r:id="rId2"/>
     <p:sldId id="257" r:id="rId3"/>
-    <p:sldId id="258" r:id="rId4"/>
-    <p:sldId id="259" r:id="rId5"/>
-    <p:sldId id="260" r:id="rId6"/>
-    <p:sldId id="261" r:id="rId7"/>
+    <p:sldId id="262" r:id="rId4"/>
+    <p:sldId id="263" r:id="rId5"/>
+    <p:sldId id="264" r:id="rId6"/>
+    <p:sldId id="265" r:id="rId7"/>
+    <p:sldId id="258" r:id="rId8"/>
+    <p:sldId id="259" r:id="rId9"/>
+    <p:sldId id="260" r:id="rId10"/>
+    <p:sldId id="261" r:id="rId11"/>
   </p:sldIdLst>
   <p:sldSz cx="12192000" cy="6858000"/>
   <p:notesSz cx="6858000" cy="9144000"/>
@@ -109,6 +113,11 @@
       </a:defRPr>
     </a:lvl9pPr>
   </p:defaultTextStyle>
+  <p:extLst>
+    <p:ext uri="{EFAFB233-063F-42B5-8137-9DF3F51BA10A}">
+      <p15:sldGuideLst xmlns:p15="http://schemas.microsoft.com/office/powerpoint/2012/main"/>
+    </p:ext>
+  </p:extLst>
 </p:presentation>
 </file>
 
@@ -243,7 +252,7 @@
           <a:p>
             <a:fld id="{241573D5-681D-45C8-95E7-DF30AC2C7EBF}" type="datetimeFigureOut">
               <a:rPr lang="zh-CN" altLang="en-US" smtClean="0"/>
-              <a:t>2023/12/20</a:t>
+              <a:t>2023/12/21</a:t>
             </a:fld>
             <a:endParaRPr lang="zh-CN" altLang="en-US"/>
           </a:p>
@@ -413,7 +422,7 @@
           <a:p>
             <a:fld id="{241573D5-681D-45C8-95E7-DF30AC2C7EBF}" type="datetimeFigureOut">
               <a:rPr lang="zh-CN" altLang="en-US" smtClean="0"/>
-              <a:t>2023/12/20</a:t>
+              <a:t>2023/12/21</a:t>
             </a:fld>
             <a:endParaRPr lang="zh-CN" altLang="en-US"/>
           </a:p>
@@ -593,7 +602,7 @@
           <a:p>
             <a:fld id="{241573D5-681D-45C8-95E7-DF30AC2C7EBF}" type="datetimeFigureOut">
               <a:rPr lang="zh-CN" altLang="en-US" smtClean="0"/>
-              <a:t>2023/12/20</a:t>
+              <a:t>2023/12/21</a:t>
             </a:fld>
             <a:endParaRPr lang="zh-CN" altLang="en-US"/>
           </a:p>
@@ -763,7 +772,7 @@
           <a:p>
             <a:fld id="{241573D5-681D-45C8-95E7-DF30AC2C7EBF}" type="datetimeFigureOut">
               <a:rPr lang="zh-CN" altLang="en-US" smtClean="0"/>
-              <a:t>2023/12/20</a:t>
+              <a:t>2023/12/21</a:t>
             </a:fld>
             <a:endParaRPr lang="zh-CN" altLang="en-US"/>
           </a:p>
@@ -1009,7 +1018,7 @@
           <a:p>
             <a:fld id="{241573D5-681D-45C8-95E7-DF30AC2C7EBF}" type="datetimeFigureOut">
               <a:rPr lang="zh-CN" altLang="en-US" smtClean="0"/>
-              <a:t>2023/12/20</a:t>
+              <a:t>2023/12/21</a:t>
             </a:fld>
             <a:endParaRPr lang="zh-CN" altLang="en-US"/>
           </a:p>
@@ -1241,7 +1250,7 @@
           <a:p>
             <a:fld id="{241573D5-681D-45C8-95E7-DF30AC2C7EBF}" type="datetimeFigureOut">
               <a:rPr lang="zh-CN" altLang="en-US" smtClean="0"/>
-              <a:t>2023/12/20</a:t>
+              <a:t>2023/12/21</a:t>
             </a:fld>
             <a:endParaRPr lang="zh-CN" altLang="en-US"/>
           </a:p>
@@ -1608,7 +1617,7 @@
           <a:p>
             <a:fld id="{241573D5-681D-45C8-95E7-DF30AC2C7EBF}" type="datetimeFigureOut">
               <a:rPr lang="zh-CN" altLang="en-US" smtClean="0"/>
-              <a:t>2023/12/20</a:t>
+              <a:t>2023/12/21</a:t>
             </a:fld>
             <a:endParaRPr lang="zh-CN" altLang="en-US"/>
           </a:p>
@@ -1726,7 +1735,7 @@
           <a:p>
             <a:fld id="{241573D5-681D-45C8-95E7-DF30AC2C7EBF}" type="datetimeFigureOut">
               <a:rPr lang="zh-CN" altLang="en-US" smtClean="0"/>
-              <a:t>2023/12/20</a:t>
+              <a:t>2023/12/21</a:t>
             </a:fld>
             <a:endParaRPr lang="zh-CN" altLang="en-US"/>
           </a:p>
@@ -1821,7 +1830,7 @@
           <a:p>
             <a:fld id="{241573D5-681D-45C8-95E7-DF30AC2C7EBF}" type="datetimeFigureOut">
               <a:rPr lang="zh-CN" altLang="en-US" smtClean="0"/>
-              <a:t>2023/12/20</a:t>
+              <a:t>2023/12/21</a:t>
             </a:fld>
             <a:endParaRPr lang="zh-CN" altLang="en-US"/>
           </a:p>
@@ -2098,7 +2107,7 @@
           <a:p>
             <a:fld id="{241573D5-681D-45C8-95E7-DF30AC2C7EBF}" type="datetimeFigureOut">
               <a:rPr lang="zh-CN" altLang="en-US" smtClean="0"/>
-              <a:t>2023/12/20</a:t>
+              <a:t>2023/12/21</a:t>
             </a:fld>
             <a:endParaRPr lang="zh-CN" altLang="en-US"/>
           </a:p>
@@ -2355,7 +2364,7 @@
           <a:p>
             <a:fld id="{241573D5-681D-45C8-95E7-DF30AC2C7EBF}" type="datetimeFigureOut">
               <a:rPr lang="zh-CN" altLang="en-US" smtClean="0"/>
-              <a:t>2023/12/20</a:t>
+              <a:t>2023/12/21</a:t>
             </a:fld>
             <a:endParaRPr lang="zh-CN" altLang="en-US"/>
           </a:p>
@@ -2568,7 +2577,7 @@
           <a:p>
             <a:fld id="{241573D5-681D-45C8-95E7-DF30AC2C7EBF}" type="datetimeFigureOut">
               <a:rPr lang="zh-CN" altLang="en-US" smtClean="0"/>
-              <a:t>2023/12/20</a:t>
+              <a:t>2023/12/21</a:t>
             </a:fld>
             <a:endParaRPr lang="zh-CN" altLang="en-US"/>
           </a:p>
@@ -3222,6 +3231,149 @@
 </p:sld>
 </file>
 
+<file path=ppt/slides/slide10.xml><?xml version="1.0" encoding="utf-8"?>
+<p:sld xmlns:a="http://schemas.openxmlformats.org/drawingml/2006/main" xmlns:r="http://schemas.openxmlformats.org/officeDocument/2006/relationships" xmlns:p="http://schemas.openxmlformats.org/presentationml/2006/main">
+  <p:cSld>
+    <p:bg>
+      <p:bgPr>
+        <a:solidFill>
+          <a:schemeClr val="tx2">
+            <a:lumMod val="50000"/>
+          </a:schemeClr>
+        </a:solidFill>
+        <a:effectLst/>
+      </p:bgPr>
+    </p:bg>
+    <p:spTree>
+      <p:nvGrpSpPr>
+        <p:cNvPr id="1" name=""/>
+        <p:cNvGrpSpPr/>
+        <p:nvPr/>
+      </p:nvGrpSpPr>
+      <p:grpSpPr>
+        <a:xfrm>
+          <a:off x="0" y="0"/>
+          <a:ext cx="0" cy="0"/>
+          <a:chOff x="0" y="0"/>
+          <a:chExt cx="0" cy="0"/>
+        </a:xfrm>
+      </p:grpSpPr>
+      <p:sp>
+        <p:nvSpPr>
+          <p:cNvPr id="4" name="文本框 3">
+            <a:extLst>
+              <a:ext uri="{FF2B5EF4-FFF2-40B4-BE49-F238E27FC236}">
+                <a16:creationId xmlns:a16="http://schemas.microsoft.com/office/drawing/2014/main" id="{1C6D8DEF-4EB1-6AD1-35E4-1D942DC48E51}"/>
+              </a:ext>
+            </a:extLst>
+          </p:cNvPr>
+          <p:cNvSpPr txBox="1"/>
+          <p:nvPr/>
+        </p:nvSpPr>
+        <p:spPr>
+          <a:xfrm>
+            <a:off x="1155356" y="580768"/>
+            <a:ext cx="1168910" cy="369332"/>
+          </a:xfrm>
+          <a:prstGeom prst="rect">
+            <a:avLst/>
+          </a:prstGeom>
+          <a:noFill/>
+        </p:spPr>
+        <p:txBody>
+          <a:bodyPr wrap="none" rtlCol="0">
+            <a:spAutoFit/>
+          </a:bodyPr>
+          <a:lstStyle/>
+          <a:p>
+            <a:r>
+              <a:rPr lang="en-US" altLang="zh-CN" dirty="0">
+                <a:solidFill>
+                  <a:schemeClr val="bg1"/>
+                </a:solidFill>
+              </a:rPr>
+              <a:t>Reference</a:t>
+            </a:r>
+            <a:endParaRPr lang="zh-CN" altLang="en-US" dirty="0">
+              <a:solidFill>
+                <a:schemeClr val="bg1"/>
+              </a:solidFill>
+            </a:endParaRPr>
+          </a:p>
+        </p:txBody>
+      </p:sp>
+      <p:sp>
+        <p:nvSpPr>
+          <p:cNvPr id="2" name="文本框 1">
+            <a:extLst>
+              <a:ext uri="{FF2B5EF4-FFF2-40B4-BE49-F238E27FC236}">
+                <a16:creationId xmlns:a16="http://schemas.microsoft.com/office/drawing/2014/main" id="{3F71A580-B1A8-9DC5-7BFC-F3DA6DF4D538}"/>
+              </a:ext>
+            </a:extLst>
+          </p:cNvPr>
+          <p:cNvSpPr txBox="1"/>
+          <p:nvPr/>
+        </p:nvSpPr>
+        <p:spPr>
+          <a:xfrm>
+            <a:off x="864781" y="1155405"/>
+            <a:ext cx="7900304" cy="369332"/>
+          </a:xfrm>
+          <a:prstGeom prst="rect">
+            <a:avLst/>
+          </a:prstGeom>
+          <a:noFill/>
+        </p:spPr>
+        <p:txBody>
+          <a:bodyPr wrap="none" rtlCol="0">
+            <a:spAutoFit/>
+          </a:bodyPr>
+          <a:lstStyle/>
+          <a:p>
+            <a:r>
+              <a:rPr lang="en-US" altLang="zh-CN" dirty="0">
+                <a:solidFill>
+                  <a:schemeClr val="bg1"/>
+                </a:solidFill>
+              </a:rPr>
+              <a:t>1.</a:t>
+            </a:r>
+            <a:r>
+              <a:rPr lang="en-US" altLang="zh-CN" dirty="0">
+                <a:solidFill>
+                  <a:schemeClr val="bg1"/>
+                </a:solidFill>
+                <a:hlinkClick r:id="rId2">
+                  <a:extLst>
+                    <a:ext uri="{A12FA001-AC4F-418D-AE19-62706E023703}">
+                      <ahyp:hlinkClr xmlns:ahyp="http://schemas.microsoft.com/office/drawing/2018/hyperlinkcolor" val="tx"/>
+                    </a:ext>
+                  </a:extLst>
+                </a:hlinkClick>
+              </a:rPr>
+              <a:t> Android Tutorial (Kotlin) - 30 - SQLite Database Creation and Insertion - YouTube</a:t>
+            </a:r>
+            <a:endParaRPr lang="zh-CN" altLang="en-US" dirty="0">
+              <a:solidFill>
+                <a:schemeClr val="bg1"/>
+              </a:solidFill>
+            </a:endParaRPr>
+          </a:p>
+        </p:txBody>
+      </p:sp>
+    </p:spTree>
+    <p:extLst>
+      <p:ext uri="{BB962C8B-B14F-4D97-AF65-F5344CB8AC3E}">
+        <p14:creationId xmlns:p14="http://schemas.microsoft.com/office/powerpoint/2010/main" val="1843445300"/>
+      </p:ext>
+    </p:extLst>
+  </p:cSld>
+  <p:clrMapOvr>
+    <a:masterClrMapping/>
+  </p:clrMapOvr>
+</p:sld>
+</file>
+
 <file path=ppt/slides/slide2.xml><?xml version="1.0" encoding="utf-8"?>
 <p:sld xmlns:a="http://schemas.openxmlformats.org/drawingml/2006/main" xmlns:r="http://schemas.openxmlformats.org/officeDocument/2006/relationships" xmlns:p="http://schemas.openxmlformats.org/presentationml/2006/main">
   <p:cSld>
@@ -3358,7 +3510,7 @@
           <p:cNvPr id="4" name="文本框 3">
             <a:extLst>
               <a:ext uri="{FF2B5EF4-FFF2-40B4-BE49-F238E27FC236}">
-                <a16:creationId xmlns:a16="http://schemas.microsoft.com/office/drawing/2014/main" id="{7CDE0519-8F3B-C0FD-C496-21CE70E21A4D}"/>
+                <a16:creationId xmlns:a16="http://schemas.microsoft.com/office/drawing/2014/main" id="{DC25F9B3-3181-004A-BF09-08C4B608B89D}"/>
               </a:ext>
             </a:extLst>
           </p:cNvPr>
@@ -3367,8 +3519,8 @@
         </p:nvSpPr>
         <p:spPr>
           <a:xfrm>
-            <a:off x="284204" y="389405"/>
-            <a:ext cx="10101649" cy="923330"/>
+            <a:off x="336698" y="429691"/>
+            <a:ext cx="4476308" cy="1415772"/>
           </a:xfrm>
           <a:prstGeom prst="rect">
             <a:avLst/>
@@ -3381,35 +3533,23 @@
           </a:bodyPr>
           <a:lstStyle/>
           <a:p>
-            <a:pPr algn="l">
-              <a:buFont typeface="Arial" panose="020B0604020202020204" pitchFamily="34" charset="0"/>
-              <a:buChar char="•"/>
-            </a:pPr>
-            <a:r>
-              <a:rPr lang="en-US" altLang="zh-CN" b="0" i="0" dirty="0">
+            <a:r>
+              <a:rPr lang="en-US" altLang="zh-CN" sz="3200" b="1" dirty="0">
                 <a:solidFill>
                   <a:schemeClr val="bg1"/>
                 </a:solidFill>
-                <a:effectLst/>
-                <a:latin typeface="arial" panose="020B0604020202020204" pitchFamily="34" charset="0"/>
-              </a:rPr>
-              <a:t>Implementation Details, Including:</a:t>
-            </a:r>
-          </a:p>
-          <a:p>
-            <a:pPr marL="742950" lvl="1" indent="-285750" algn="l">
-              <a:buFont typeface="Arial" panose="020B0604020202020204" pitchFamily="34" charset="0"/>
-              <a:buChar char="•"/>
-            </a:pPr>
-            <a:r>
-              <a:rPr lang="en-US" altLang="zh-CN" b="0" i="0" dirty="0">
+              </a:rPr>
+              <a:t>Roadblock 1</a:t>
+            </a:r>
+          </a:p>
+          <a:p>
+            <a:r>
+              <a:rPr lang="en-US" altLang="zh-CN" dirty="0">
                 <a:solidFill>
                   <a:schemeClr val="bg1"/>
                 </a:solidFill>
-                <a:effectLst/>
-                <a:latin typeface="arial" panose="020B0604020202020204" pitchFamily="34" charset="0"/>
-              </a:rPr>
-              <a:t>Roadblocks/Surprises/Workarounds</a:t>
+              </a:rPr>
+              <a:t>Hotel API does not have direct hotel availability data</a:t>
             </a:r>
           </a:p>
           <a:p>
@@ -3417,12 +3557,47 @@
           </a:p>
         </p:txBody>
       </p:sp>
-      <p:sp>
-        <p:nvSpPr>
-          <p:cNvPr id="5" name="文本框 4">
+      <p:pic>
+        <p:nvPicPr>
+          <p:cNvPr id="6" name="图片 5" descr="文本&#10;&#10;描述已自动生成">
             <a:extLst>
               <a:ext uri="{FF2B5EF4-FFF2-40B4-BE49-F238E27FC236}">
-                <a16:creationId xmlns:a16="http://schemas.microsoft.com/office/drawing/2014/main" id="{2B392E39-9569-4CC3-D129-87AE291FD5D5}"/>
+                <a16:creationId xmlns:a16="http://schemas.microsoft.com/office/drawing/2014/main" id="{2CCA0C2E-1C9C-C285-8ED8-0ADF25832FFD}"/>
+              </a:ext>
+            </a:extLst>
+          </p:cNvPr>
+          <p:cNvPicPr>
+            <a:picLocks noChangeAspect="1"/>
+          </p:cNvPicPr>
+          <p:nvPr/>
+        </p:nvPicPr>
+        <p:blipFill rotWithShape="1">
+          <a:blip r:embed="rId2">
+            <a:extLst>
+              <a:ext uri="{28A0092B-C50C-407E-A947-70E740481C1C}">
+                <a14:useLocalDpi xmlns:a14="http://schemas.microsoft.com/office/drawing/2010/main" val="0"/>
+              </a:ext>
+            </a:extLst>
+          </a:blip>
+          <a:srcRect t="11217" r="12023" b="2963"/>
+          <a:stretch/>
+        </p:blipFill>
+        <p:spPr>
+          <a:xfrm>
+            <a:off x="5417896" y="891356"/>
+            <a:ext cx="6640655" cy="5885543"/>
+          </a:xfrm>
+          <a:prstGeom prst="rect">
+            <a:avLst/>
+          </a:prstGeom>
+        </p:spPr>
+      </p:pic>
+      <p:sp>
+        <p:nvSpPr>
+          <p:cNvPr id="7" name="文本框 6">
+            <a:extLst>
+              <a:ext uri="{FF2B5EF4-FFF2-40B4-BE49-F238E27FC236}">
+                <a16:creationId xmlns:a16="http://schemas.microsoft.com/office/drawing/2014/main" id="{5328E58A-64DA-D007-66F0-89772495A992}"/>
               </a:ext>
             </a:extLst>
           </p:cNvPr>
@@ -3431,8 +3606,8 @@
         </p:nvSpPr>
         <p:spPr>
           <a:xfrm>
-            <a:off x="1927654" y="2397211"/>
-            <a:ext cx="6051913" cy="3139321"/>
+            <a:off x="336697" y="2175118"/>
+            <a:ext cx="4795284" cy="1692771"/>
           </a:xfrm>
           <a:prstGeom prst="rect">
             <a:avLst/>
@@ -3440,18 +3615,28 @@
           <a:noFill/>
         </p:spPr>
         <p:txBody>
-          <a:bodyPr wrap="none" rtlCol="0">
+          <a:bodyPr wrap="square" rtlCol="0">
             <a:spAutoFit/>
           </a:bodyPr>
           <a:lstStyle/>
           <a:p>
             <a:r>
+              <a:rPr lang="en-US" altLang="zh-CN" sz="3200" b="1" dirty="0">
+                <a:solidFill>
+                  <a:schemeClr val="bg1"/>
+                </a:solidFill>
+              </a:rPr>
+              <a:t>Workaround</a:t>
+            </a:r>
+          </a:p>
+          <a:p>
+            <a:r>
               <a:rPr lang="en-US" altLang="zh-CN" dirty="0">
                 <a:solidFill>
                   <a:schemeClr val="bg1"/>
                 </a:solidFill>
               </a:rPr>
-              <a:t>Roadblocks: </a:t>
+              <a:t>Make two API calls: </a:t>
             </a:r>
           </a:p>
           <a:p>
@@ -3461,7 +3646,7 @@
                   <a:schemeClr val="bg1"/>
                 </a:solidFill>
               </a:rPr>
-              <a:t>API usage: hotel(no existing hotel availability data)</a:t>
+              <a:t>1. Get selected date room list</a:t>
             </a:r>
           </a:p>
           <a:p>
@@ -3471,36 +3656,253 @@
                   <a:schemeClr val="bg1"/>
                 </a:solidFill>
               </a:rPr>
-              <a:t>Hotel(no handbook for booking.com data- hotel id, room data)</a:t>
-            </a:r>
-          </a:p>
-          <a:p>
-            <a:r>
-              <a:rPr lang="en-US" altLang="zh-CN" dirty="0">
-                <a:solidFill>
-                  <a:schemeClr val="bg1"/>
-                </a:solidFill>
-              </a:rPr>
-              <a:t>Data sharing between fragments</a:t>
-            </a:r>
-          </a:p>
-          <a:p>
-            <a:r>
-              <a:rPr lang="en-US" altLang="zh-CN" dirty="0">
-                <a:solidFill>
-                  <a:schemeClr val="bg1"/>
-                </a:solidFill>
-              </a:rPr>
-              <a:t>Database build up</a:t>
-            </a:r>
-          </a:p>
-          <a:p>
-            <a:endParaRPr lang="en-US" altLang="zh-CN" dirty="0">
+              <a:t>2. Get 3 month later room list – assume this list reflect empty status</a:t>
+            </a:r>
+            <a:endParaRPr lang="zh-CN" altLang="en-US" dirty="0">
               <a:solidFill>
                 <a:schemeClr val="bg1"/>
               </a:solidFill>
             </a:endParaRPr>
           </a:p>
+        </p:txBody>
+      </p:sp>
+      <p:sp>
+        <p:nvSpPr>
+          <p:cNvPr id="8" name="Google Shape;91;g2a7131906a1_3_0">
+            <a:extLst>
+              <a:ext uri="{FF2B5EF4-FFF2-40B4-BE49-F238E27FC236}">
+                <a16:creationId xmlns:a16="http://schemas.microsoft.com/office/drawing/2014/main" id="{FD4F9B58-F745-B29A-5434-40A7F1D9D8C6}"/>
+              </a:ext>
+            </a:extLst>
+          </p:cNvPr>
+          <p:cNvSpPr/>
+          <p:nvPr/>
+        </p:nvSpPr>
+        <p:spPr>
+          <a:xfrm>
+            <a:off x="1758587" y="3954629"/>
+            <a:ext cx="1632530" cy="2675459"/>
+          </a:xfrm>
+          <a:prstGeom prst="rect">
+            <a:avLst/>
+          </a:prstGeom>
+          <a:solidFill>
+            <a:schemeClr val="accent1"/>
+          </a:solidFill>
+          <a:ln w="25400" cap="flat" cmpd="sng">
+            <a:solidFill>
+              <a:srgbClr val="1B3867"/>
+            </a:solidFill>
+            <a:prstDash val="solid"/>
+            <a:round/>
+            <a:headEnd type="none" w="sm" len="sm"/>
+            <a:tailEnd type="none" w="sm" len="sm"/>
+          </a:ln>
+        </p:spPr>
+        <p:txBody>
+          <a:bodyPr spcFirstLastPara="1" wrap="square" lIns="91425" tIns="45700" rIns="91425" bIns="45700" anchor="ctr" anchorCtr="0">
+            <a:noAutofit/>
+          </a:bodyPr>
+          <a:lstStyle/>
+          <a:p>
+            <a:pPr marL="0" marR="0" lvl="0" indent="0" algn="ctr" rtl="0">
+              <a:lnSpc>
+                <a:spcPct val="100000"/>
+              </a:lnSpc>
+              <a:spcBef>
+                <a:spcPts val="0"/>
+              </a:spcBef>
+              <a:spcAft>
+                <a:spcPts val="0"/>
+              </a:spcAft>
+              <a:buNone/>
+            </a:pPr>
+            <a:r>
+              <a:rPr lang="en-US" sz="1400" b="0" i="0" u="none" strike="noStrike" cap="none">
+                <a:solidFill>
+                  <a:schemeClr val="lt1"/>
+                </a:solidFill>
+                <a:latin typeface="Arial"/>
+                <a:ea typeface="Arial"/>
+                <a:cs typeface="Arial"/>
+                <a:sym typeface="Arial"/>
+              </a:rPr>
+              <a:t>room_count</a:t>
+            </a:r>
+            <a:endParaRPr sz="1400" b="0" i="0" u="none" strike="noStrike" cap="none">
+              <a:solidFill>
+                <a:schemeClr val="lt1"/>
+              </a:solidFill>
+              <a:latin typeface="Arial"/>
+              <a:ea typeface="Arial"/>
+              <a:cs typeface="Arial"/>
+              <a:sym typeface="Arial"/>
+            </a:endParaRPr>
+          </a:p>
+          <a:p>
+            <a:pPr marL="0" marR="0" lvl="0" indent="0" algn="ctr" rtl="0">
+              <a:lnSpc>
+                <a:spcPct val="100000"/>
+              </a:lnSpc>
+              <a:spcBef>
+                <a:spcPts val="0"/>
+              </a:spcBef>
+              <a:spcAft>
+                <a:spcPts val="0"/>
+              </a:spcAft>
+              <a:buNone/>
+            </a:pPr>
+            <a:r>
+              <a:rPr lang="en-US" sz="1400" b="0" i="0" u="none" strike="noStrike" cap="none">
+                <a:solidFill>
+                  <a:schemeClr val="lt1"/>
+                </a:solidFill>
+                <a:latin typeface="Arial"/>
+                <a:ea typeface="Arial"/>
+                <a:cs typeface="Arial"/>
+                <a:sym typeface="Arial"/>
+              </a:rPr>
+              <a:t>__________</a:t>
+            </a:r>
+            <a:endParaRPr/>
+          </a:p>
+          <a:p>
+            <a:pPr marL="0" marR="0" lvl="0" indent="0" algn="ctr" rtl="0">
+              <a:lnSpc>
+                <a:spcPct val="100000"/>
+              </a:lnSpc>
+              <a:spcBef>
+                <a:spcPts val="0"/>
+              </a:spcBef>
+              <a:spcAft>
+                <a:spcPts val="0"/>
+              </a:spcAft>
+              <a:buNone/>
+            </a:pPr>
+            <a:endParaRPr sz="1400" b="0" i="0" u="none" strike="noStrike" cap="none">
+              <a:solidFill>
+                <a:schemeClr val="lt1"/>
+              </a:solidFill>
+              <a:latin typeface="Arial"/>
+              <a:ea typeface="Arial"/>
+              <a:cs typeface="Arial"/>
+              <a:sym typeface="Arial"/>
+            </a:endParaRPr>
+          </a:p>
+          <a:p>
+            <a:pPr marL="0" marR="0" lvl="0" indent="0" algn="ctr" rtl="0">
+              <a:lnSpc>
+                <a:spcPct val="100000"/>
+              </a:lnSpc>
+              <a:spcBef>
+                <a:spcPts val="0"/>
+              </a:spcBef>
+              <a:spcAft>
+                <a:spcPts val="0"/>
+              </a:spcAft>
+              <a:buNone/>
+            </a:pPr>
+            <a:r>
+              <a:rPr lang="en-US" sz="1400" b="0" i="0" u="none" strike="noStrike" cap="none">
+                <a:solidFill>
+                  <a:schemeClr val="lt1"/>
+                </a:solidFill>
+                <a:latin typeface="Arial"/>
+                <a:ea typeface="Arial"/>
+                <a:cs typeface="Arial"/>
+                <a:sym typeface="Arial"/>
+              </a:rPr>
+              <a:t>3m_room_count</a:t>
+            </a:r>
+            <a:endParaRPr/>
+          </a:p>
+          <a:p>
+            <a:pPr marL="0" marR="0" lvl="0" indent="0" algn="ctr" rtl="0">
+              <a:lnSpc>
+                <a:spcPct val="100000"/>
+              </a:lnSpc>
+              <a:spcBef>
+                <a:spcPts val="0"/>
+              </a:spcBef>
+              <a:spcAft>
+                <a:spcPts val="0"/>
+              </a:spcAft>
+              <a:buNone/>
+            </a:pPr>
+            <a:endParaRPr sz="1400" b="0" i="0" u="none" strike="noStrike" cap="none">
+              <a:solidFill>
+                <a:schemeClr val="lt1"/>
+              </a:solidFill>
+              <a:latin typeface="Arial"/>
+              <a:ea typeface="Arial"/>
+              <a:cs typeface="Arial"/>
+              <a:sym typeface="Arial"/>
+            </a:endParaRPr>
+          </a:p>
+          <a:p>
+            <a:pPr marL="0" marR="0" lvl="0" indent="0" algn="ctr" rtl="0">
+              <a:lnSpc>
+                <a:spcPct val="100000"/>
+              </a:lnSpc>
+              <a:spcBef>
+                <a:spcPts val="0"/>
+              </a:spcBef>
+              <a:spcAft>
+                <a:spcPts val="0"/>
+              </a:spcAft>
+              <a:buNone/>
+            </a:pPr>
+            <a:r>
+              <a:rPr lang="en-US" sz="1400" b="0" i="0" u="none" strike="noStrike" cap="none">
+                <a:solidFill>
+                  <a:schemeClr val="lt1"/>
+                </a:solidFill>
+                <a:latin typeface="Arial"/>
+                <a:ea typeface="Arial"/>
+                <a:cs typeface="Arial"/>
+                <a:sym typeface="Arial"/>
+              </a:rPr>
+              <a:t>X100%</a:t>
+            </a:r>
+            <a:endParaRPr sz="1400" b="0" i="0" u="none" strike="noStrike" cap="none">
+              <a:solidFill>
+                <a:schemeClr val="lt1"/>
+              </a:solidFill>
+              <a:latin typeface="Arial"/>
+              <a:ea typeface="Arial"/>
+              <a:cs typeface="Arial"/>
+              <a:sym typeface="Arial"/>
+            </a:endParaRPr>
+          </a:p>
+        </p:txBody>
+      </p:sp>
+      <p:sp>
+        <p:nvSpPr>
+          <p:cNvPr id="9" name="文本框 8">
+            <a:extLst>
+              <a:ext uri="{FF2B5EF4-FFF2-40B4-BE49-F238E27FC236}">
+                <a16:creationId xmlns:a16="http://schemas.microsoft.com/office/drawing/2014/main" id="{974B647B-BA91-1ECD-E73D-EFB1C9CAB8FE}"/>
+              </a:ext>
+            </a:extLst>
+          </p:cNvPr>
+          <p:cNvSpPr txBox="1"/>
+          <p:nvPr/>
+        </p:nvSpPr>
+        <p:spPr>
+          <a:xfrm>
+            <a:off x="6189448" y="429691"/>
+            <a:ext cx="5097549" cy="369332"/>
+          </a:xfrm>
+          <a:prstGeom prst="rect">
+            <a:avLst/>
+          </a:prstGeom>
+          <a:noFill/>
+        </p:spPr>
+        <p:txBody>
+          <a:bodyPr wrap="none" rtlCol="0">
+            <a:spAutoFit/>
+          </a:bodyPr>
+          <a:lstStyle/>
           <a:p>
             <a:r>
               <a:rPr lang="en-US" altLang="zh-CN" dirty="0">
@@ -3508,38 +3910,30 @@
                   <a:schemeClr val="bg1"/>
                 </a:solidFill>
               </a:rPr>
-              <a:t>Surprises : Hotel(API server outrage)</a:t>
-            </a:r>
-          </a:p>
-          <a:p>
-            <a:endParaRPr lang="en-US" altLang="zh-CN" dirty="0">
+              <a:t>Booking.com </a:t>
+            </a:r>
+            <a:r>
+              <a:rPr lang="en-US" altLang="zh-CN" b="0" i="0" dirty="0">
+                <a:solidFill>
+                  <a:schemeClr val="bg1"/>
+                </a:solidFill>
+                <a:effectLst/>
+                <a:latin typeface="Lato" panose="020F0502020204030204" pitchFamily="34" charset="0"/>
+              </a:rPr>
+              <a:t>Room list of the hotel API Response</a:t>
+            </a:r>
+            <a:endParaRPr lang="zh-CN" altLang="en-US" dirty="0">
               <a:solidFill>
                 <a:schemeClr val="bg1"/>
               </a:solidFill>
             </a:endParaRPr>
           </a:p>
-          <a:p>
-            <a:r>
-              <a:rPr lang="en-US" altLang="zh-CN" dirty="0">
-                <a:solidFill>
-                  <a:schemeClr val="bg1"/>
-                </a:solidFill>
-              </a:rPr>
-              <a:t>Workarounds</a:t>
-            </a:r>
-          </a:p>
-          <a:p>
-            <a:endParaRPr lang="en-US" altLang="zh-CN" dirty="0"/>
-          </a:p>
-          <a:p>
-            <a:endParaRPr lang="zh-CN" altLang="en-US" dirty="0"/>
-          </a:p>
         </p:txBody>
       </p:sp>
     </p:spTree>
     <p:extLst>
       <p:ext uri="{BB962C8B-B14F-4D97-AF65-F5344CB8AC3E}">
-        <p14:creationId xmlns:p14="http://schemas.microsoft.com/office/powerpoint/2010/main" val="2229641142"/>
+        <p14:creationId xmlns:p14="http://schemas.microsoft.com/office/powerpoint/2010/main" val="1810445739"/>
       </p:ext>
     </p:extLst>
   </p:cSld>
@@ -3581,7 +3975,7 @@
           <p:cNvPr id="4" name="文本框 3">
             <a:extLst>
               <a:ext uri="{FF2B5EF4-FFF2-40B4-BE49-F238E27FC236}">
-                <a16:creationId xmlns:a16="http://schemas.microsoft.com/office/drawing/2014/main" id="{F4DDC82C-77C1-6876-C14B-D5B8AA616202}"/>
+                <a16:creationId xmlns:a16="http://schemas.microsoft.com/office/drawing/2014/main" id="{DC25F9B3-3181-004A-BF09-08C4B608B89D}"/>
               </a:ext>
             </a:extLst>
           </p:cNvPr>
@@ -3590,8 +3984,8 @@
         </p:nvSpPr>
         <p:spPr>
           <a:xfrm>
-            <a:off x="259491" y="574756"/>
-            <a:ext cx="10101649" cy="923330"/>
+            <a:off x="336698" y="799023"/>
+            <a:ext cx="4476308" cy="2523768"/>
           </a:xfrm>
           <a:prstGeom prst="rect">
             <a:avLst/>
@@ -3604,46 +3998,409 @@
           </a:bodyPr>
           <a:lstStyle/>
           <a:p>
-            <a:pPr algn="l">
-              <a:buFont typeface="Arial" panose="020B0604020202020204" pitchFamily="34" charset="0"/>
-              <a:buChar char="•"/>
-            </a:pPr>
+            <a:r>
+              <a:rPr lang="en-US" altLang="zh-CN" sz="3200" b="1" dirty="0">
+                <a:solidFill>
+                  <a:schemeClr val="bg1"/>
+                </a:solidFill>
+              </a:rPr>
+              <a:t>Roadblock 2</a:t>
+            </a:r>
+          </a:p>
+          <a:p>
+            <a:r>
+              <a:rPr lang="en-US" altLang="zh-CN" dirty="0">
+                <a:solidFill>
+                  <a:schemeClr val="bg1"/>
+                </a:solidFill>
+              </a:rPr>
+              <a:t>No API handbook for Booking.com API:</a:t>
+            </a:r>
+          </a:p>
+          <a:p>
+            <a:r>
+              <a:rPr lang="en-US" altLang="zh-CN" dirty="0">
+                <a:solidFill>
+                  <a:schemeClr val="bg1"/>
+                </a:solidFill>
+              </a:rPr>
+              <a:t>1. Not available for general public</a:t>
+            </a:r>
+          </a:p>
+          <a:p>
+            <a:r>
+              <a:rPr lang="en-US" altLang="zh-CN" dirty="0">
+                <a:solidFill>
+                  <a:schemeClr val="bg1"/>
+                </a:solidFill>
+              </a:rPr>
+              <a:t>2. Different hotel have different booking policy</a:t>
+            </a:r>
+          </a:p>
+          <a:p>
+            <a:endParaRPr lang="en-US" altLang="zh-CN" dirty="0">
+              <a:solidFill>
+                <a:schemeClr val="bg1"/>
+              </a:solidFill>
+            </a:endParaRPr>
+          </a:p>
+          <a:p>
+            <a:endParaRPr lang="en-US" altLang="zh-CN" dirty="0">
+              <a:solidFill>
+                <a:schemeClr val="bg1"/>
+              </a:solidFill>
+            </a:endParaRPr>
+          </a:p>
+          <a:p>
+            <a:endParaRPr lang="zh-CN" altLang="en-US" dirty="0"/>
+          </a:p>
+        </p:txBody>
+      </p:sp>
+      <p:pic>
+        <p:nvPicPr>
+          <p:cNvPr id="6" name="图片 5" descr="文本&#10;&#10;描述已自动生成">
+            <a:extLst>
+              <a:ext uri="{FF2B5EF4-FFF2-40B4-BE49-F238E27FC236}">
+                <a16:creationId xmlns:a16="http://schemas.microsoft.com/office/drawing/2014/main" id="{2CCA0C2E-1C9C-C285-8ED8-0ADF25832FFD}"/>
+              </a:ext>
+            </a:extLst>
+          </p:cNvPr>
+          <p:cNvPicPr>
+            <a:picLocks noChangeAspect="1"/>
+          </p:cNvPicPr>
+          <p:nvPr/>
+        </p:nvPicPr>
+        <p:blipFill rotWithShape="1">
+          <a:blip r:embed="rId2">
+            <a:extLst>
+              <a:ext uri="{28A0092B-C50C-407E-A947-70E740481C1C}">
+                <a14:useLocalDpi xmlns:a14="http://schemas.microsoft.com/office/drawing/2010/main" val="0"/>
+              </a:ext>
+            </a:extLst>
+          </a:blip>
+          <a:srcRect t="23299" r="52436" b="59691"/>
+          <a:stretch/>
+        </p:blipFill>
+        <p:spPr>
+          <a:xfrm>
+            <a:off x="5485167" y="981783"/>
+            <a:ext cx="6413712" cy="1952803"/>
+          </a:xfrm>
+          <a:prstGeom prst="rect">
+            <a:avLst/>
+          </a:prstGeom>
+        </p:spPr>
+      </p:pic>
+      <p:sp>
+        <p:nvSpPr>
+          <p:cNvPr id="7" name="文本框 6">
+            <a:extLst>
+              <a:ext uri="{FF2B5EF4-FFF2-40B4-BE49-F238E27FC236}">
+                <a16:creationId xmlns:a16="http://schemas.microsoft.com/office/drawing/2014/main" id="{5328E58A-64DA-D007-66F0-89772495A992}"/>
+              </a:ext>
+            </a:extLst>
+          </p:cNvPr>
+          <p:cNvSpPr txBox="1"/>
+          <p:nvPr/>
+        </p:nvSpPr>
+        <p:spPr>
+          <a:xfrm>
+            <a:off x="310227" y="2903232"/>
+            <a:ext cx="4795284" cy="1415772"/>
+          </a:xfrm>
+          <a:prstGeom prst="rect">
+            <a:avLst/>
+          </a:prstGeom>
+          <a:noFill/>
+        </p:spPr>
+        <p:txBody>
+          <a:bodyPr wrap="square" rtlCol="0">
+            <a:spAutoFit/>
+          </a:bodyPr>
+          <a:lstStyle/>
+          <a:p>
+            <a:r>
+              <a:rPr lang="en-US" altLang="zh-CN" sz="3200" b="1" dirty="0">
+                <a:solidFill>
+                  <a:schemeClr val="bg1"/>
+                </a:solidFill>
+              </a:rPr>
+              <a:t>Workaround</a:t>
+            </a:r>
+          </a:p>
+          <a:p>
+            <a:r>
+              <a:rPr lang="en-US" altLang="zh-CN" dirty="0">
+                <a:solidFill>
+                  <a:schemeClr val="bg1"/>
+                </a:solidFill>
+              </a:rPr>
+              <a:t>1. Booking.com Search Hotel by Coordinates API</a:t>
+            </a:r>
+          </a:p>
+          <a:p>
+            <a:r>
+              <a:rPr lang="en-US" altLang="zh-CN" dirty="0">
+                <a:solidFill>
+                  <a:schemeClr val="bg1"/>
+                </a:solidFill>
+              </a:rPr>
+              <a:t>2. Google Map</a:t>
+            </a:r>
+          </a:p>
+          <a:p>
+            <a:endParaRPr lang="zh-CN" altLang="en-US" dirty="0">
+              <a:solidFill>
+                <a:schemeClr val="bg1"/>
+              </a:solidFill>
+            </a:endParaRPr>
+          </a:p>
+        </p:txBody>
+      </p:sp>
+      <p:sp>
+        <p:nvSpPr>
+          <p:cNvPr id="9" name="文本框 8">
+            <a:extLst>
+              <a:ext uri="{FF2B5EF4-FFF2-40B4-BE49-F238E27FC236}">
+                <a16:creationId xmlns:a16="http://schemas.microsoft.com/office/drawing/2014/main" id="{974B647B-BA91-1ECD-E73D-EFB1C9CAB8FE}"/>
+              </a:ext>
+            </a:extLst>
+          </p:cNvPr>
+          <p:cNvSpPr txBox="1"/>
+          <p:nvPr/>
+        </p:nvSpPr>
+        <p:spPr>
+          <a:xfrm>
+            <a:off x="6189448" y="429691"/>
+            <a:ext cx="5097549" cy="369332"/>
+          </a:xfrm>
+          <a:prstGeom prst="rect">
+            <a:avLst/>
+          </a:prstGeom>
+          <a:noFill/>
+        </p:spPr>
+        <p:txBody>
+          <a:bodyPr wrap="none" rtlCol="0">
+            <a:spAutoFit/>
+          </a:bodyPr>
+          <a:lstStyle/>
+          <a:p>
+            <a:r>
+              <a:rPr lang="en-US" altLang="zh-CN" dirty="0">
+                <a:solidFill>
+                  <a:schemeClr val="bg1"/>
+                </a:solidFill>
+              </a:rPr>
+              <a:t>Booking.com </a:t>
+            </a:r>
             <a:r>
               <a:rPr lang="en-US" altLang="zh-CN" b="0" i="0" dirty="0">
                 <a:solidFill>
                   <a:schemeClr val="bg1"/>
                 </a:solidFill>
                 <a:effectLst/>
-                <a:latin typeface="arial" panose="020B0604020202020204" pitchFamily="34" charset="0"/>
-              </a:rPr>
-              <a:t>Implementation Details</a:t>
-            </a:r>
-          </a:p>
-          <a:p>
-            <a:pPr algn="l">
-              <a:buFont typeface="Arial" panose="020B0604020202020204" pitchFamily="34" charset="0"/>
-              <a:buChar char="•"/>
-            </a:pPr>
-            <a:r>
-              <a:rPr lang="en-US" altLang="zh-CN" b="0" i="0" dirty="0">
-                <a:solidFill>
-                  <a:schemeClr val="bg1"/>
-                </a:solidFill>
-                <a:effectLst/>
-                <a:latin typeface="arial" panose="020B0604020202020204" pitchFamily="34" charset="0"/>
-              </a:rPr>
-              <a:t>What would you do differently?</a:t>
-            </a:r>
-          </a:p>
-          <a:p>
-            <a:endParaRPr lang="zh-CN" altLang="en-US" dirty="0"/>
+                <a:latin typeface="Lato" panose="020F0502020204030204" pitchFamily="34" charset="0"/>
+              </a:rPr>
+              <a:t>Room list of the hotel API Response</a:t>
+            </a:r>
+            <a:endParaRPr lang="zh-CN" altLang="en-US" dirty="0">
+              <a:solidFill>
+                <a:schemeClr val="bg1"/>
+              </a:solidFill>
+            </a:endParaRPr>
+          </a:p>
+        </p:txBody>
+      </p:sp>
+      <p:pic>
+        <p:nvPicPr>
+          <p:cNvPr id="3" name="图片 2" descr="文本&#10;&#10;描述已自动生成">
+            <a:extLst>
+              <a:ext uri="{FF2B5EF4-FFF2-40B4-BE49-F238E27FC236}">
+                <a16:creationId xmlns:a16="http://schemas.microsoft.com/office/drawing/2014/main" id="{F3B2800E-AA10-23CB-6B49-0FC1F1893F88}"/>
+              </a:ext>
+            </a:extLst>
+          </p:cNvPr>
+          <p:cNvPicPr>
+            <a:picLocks noChangeAspect="1"/>
+          </p:cNvPicPr>
+          <p:nvPr/>
+        </p:nvPicPr>
+        <p:blipFill>
+          <a:blip r:embed="rId3">
+            <a:extLst>
+              <a:ext uri="{28A0092B-C50C-407E-A947-70E740481C1C}">
+                <a14:useLocalDpi xmlns:a14="http://schemas.microsoft.com/office/drawing/2010/main" val="0"/>
+              </a:ext>
+            </a:extLst>
+          </a:blip>
+          <a:stretch>
+            <a:fillRect/>
+          </a:stretch>
+        </p:blipFill>
+        <p:spPr>
+          <a:xfrm>
+            <a:off x="5441591" y="3117346"/>
+            <a:ext cx="6413712" cy="2425008"/>
+          </a:xfrm>
+          <a:prstGeom prst="rect">
+            <a:avLst/>
+          </a:prstGeom>
+        </p:spPr>
+      </p:pic>
+      <p:sp>
+        <p:nvSpPr>
+          <p:cNvPr id="5" name="矩形 4">
+            <a:extLst>
+              <a:ext uri="{FF2B5EF4-FFF2-40B4-BE49-F238E27FC236}">
+                <a16:creationId xmlns:a16="http://schemas.microsoft.com/office/drawing/2014/main" id="{7F9069B7-5B63-6A12-BB92-162686817888}"/>
+              </a:ext>
+            </a:extLst>
+          </p:cNvPr>
+          <p:cNvSpPr/>
+          <p:nvPr/>
+        </p:nvSpPr>
+        <p:spPr>
+          <a:xfrm>
+            <a:off x="6189446" y="3806456"/>
+            <a:ext cx="1643203" cy="246666"/>
+          </a:xfrm>
+          <a:prstGeom prst="rect">
+            <a:avLst/>
+          </a:prstGeom>
+          <a:noFill/>
+          <a:ln w="38100">
+            <a:solidFill>
+              <a:srgbClr val="FF0000"/>
+            </a:solidFill>
+          </a:ln>
+        </p:spPr>
+        <p:style>
+          <a:lnRef idx="2">
+            <a:schemeClr val="accent1">
+              <a:shade val="15000"/>
+            </a:schemeClr>
+          </a:lnRef>
+          <a:fillRef idx="1">
+            <a:schemeClr val="accent1"/>
+          </a:fillRef>
+          <a:effectRef idx="0">
+            <a:schemeClr val="accent1"/>
+          </a:effectRef>
+          <a:fontRef idx="minor">
+            <a:schemeClr val="lt1"/>
+          </a:fontRef>
+        </p:style>
+        <p:txBody>
+          <a:bodyPr rtlCol="0" anchor="ctr"/>
+          <a:lstStyle/>
+          <a:p>
+            <a:pPr algn="ctr"/>
+            <a:endParaRPr lang="zh-CN" altLang="en-US"/>
+          </a:p>
+        </p:txBody>
+      </p:sp>
+      <p:sp>
+        <p:nvSpPr>
+          <p:cNvPr id="10" name="矩形 9">
+            <a:extLst>
+              <a:ext uri="{FF2B5EF4-FFF2-40B4-BE49-F238E27FC236}">
+                <a16:creationId xmlns:a16="http://schemas.microsoft.com/office/drawing/2014/main" id="{9A03C7B5-C76F-B95F-AE97-DC6725628D65}"/>
+              </a:ext>
+            </a:extLst>
+          </p:cNvPr>
+          <p:cNvSpPr/>
+          <p:nvPr/>
+        </p:nvSpPr>
+        <p:spPr>
+          <a:xfrm>
+            <a:off x="5979690" y="2186549"/>
+            <a:ext cx="2062717" cy="277459"/>
+          </a:xfrm>
+          <a:prstGeom prst="rect">
+            <a:avLst/>
+          </a:prstGeom>
+          <a:noFill/>
+          <a:ln w="57150">
+            <a:solidFill>
+              <a:srgbClr val="FF0000"/>
+            </a:solidFill>
+          </a:ln>
+        </p:spPr>
+        <p:style>
+          <a:lnRef idx="2">
+            <a:schemeClr val="accent1">
+              <a:shade val="15000"/>
+            </a:schemeClr>
+          </a:lnRef>
+          <a:fillRef idx="1">
+            <a:schemeClr val="accent1"/>
+          </a:fillRef>
+          <a:effectRef idx="0">
+            <a:schemeClr val="accent1"/>
+          </a:effectRef>
+          <a:fontRef idx="minor">
+            <a:schemeClr val="lt1"/>
+          </a:fontRef>
+        </p:style>
+        <p:txBody>
+          <a:bodyPr rtlCol="0" anchor="ctr"/>
+          <a:lstStyle/>
+          <a:p>
+            <a:pPr algn="ctr"/>
+            <a:endParaRPr lang="zh-CN" altLang="en-US"/>
+          </a:p>
+        </p:txBody>
+      </p:sp>
+      <p:sp>
+        <p:nvSpPr>
+          <p:cNvPr id="11" name="箭头: 右 10">
+            <a:extLst>
+              <a:ext uri="{FF2B5EF4-FFF2-40B4-BE49-F238E27FC236}">
+                <a16:creationId xmlns:a16="http://schemas.microsoft.com/office/drawing/2014/main" id="{8B2AC528-129F-D08B-1CA7-2EFFEA13F351}"/>
+              </a:ext>
+            </a:extLst>
+          </p:cNvPr>
+          <p:cNvSpPr/>
+          <p:nvPr/>
+        </p:nvSpPr>
+        <p:spPr>
+          <a:xfrm rot="2180457">
+            <a:off x="4878414" y="1578850"/>
+            <a:ext cx="1013637" cy="553440"/>
+          </a:xfrm>
+          <a:prstGeom prst="rightArrow">
+            <a:avLst/>
+          </a:prstGeom>
+        </p:spPr>
+        <p:style>
+          <a:lnRef idx="2">
+            <a:schemeClr val="accent1">
+              <a:shade val="15000"/>
+            </a:schemeClr>
+          </a:lnRef>
+          <a:fillRef idx="1">
+            <a:schemeClr val="accent1"/>
+          </a:fillRef>
+          <a:effectRef idx="0">
+            <a:schemeClr val="accent1"/>
+          </a:effectRef>
+          <a:fontRef idx="minor">
+            <a:schemeClr val="lt1"/>
+          </a:fontRef>
+        </p:style>
+        <p:txBody>
+          <a:bodyPr rtlCol="0" anchor="ctr"/>
+          <a:lstStyle/>
+          <a:p>
+            <a:pPr algn="ctr"/>
+            <a:endParaRPr lang="zh-CN" altLang="en-US"/>
           </a:p>
         </p:txBody>
       </p:sp>
     </p:spTree>
     <p:extLst>
       <p:ext uri="{BB962C8B-B14F-4D97-AF65-F5344CB8AC3E}">
-        <p14:creationId xmlns:p14="http://schemas.microsoft.com/office/powerpoint/2010/main" val="1970900394"/>
+        <p14:creationId xmlns:p14="http://schemas.microsoft.com/office/powerpoint/2010/main" val="360887381"/>
       </p:ext>
     </p:extLst>
   </p:cSld>
@@ -3685,7 +4442,7 @@
           <p:cNvPr id="4" name="文本框 3">
             <a:extLst>
               <a:ext uri="{FF2B5EF4-FFF2-40B4-BE49-F238E27FC236}">
-                <a16:creationId xmlns:a16="http://schemas.microsoft.com/office/drawing/2014/main" id="{4E4A42F4-CF40-79D6-C88A-590AB5602612}"/>
+                <a16:creationId xmlns:a16="http://schemas.microsoft.com/office/drawing/2014/main" id="{DC25F9B3-3181-004A-BF09-08C4B608B89D}"/>
               </a:ext>
             </a:extLst>
           </p:cNvPr>
@@ -3694,8 +4451,8 @@
         </p:nvSpPr>
         <p:spPr>
           <a:xfrm>
-            <a:off x="574588" y="605647"/>
-            <a:ext cx="10101649" cy="923330"/>
+            <a:off x="1436312" y="1494101"/>
+            <a:ext cx="4476308" cy="1692771"/>
           </a:xfrm>
           <a:prstGeom prst="rect">
             <a:avLst/>
@@ -3708,46 +4465,343 @@
           </a:bodyPr>
           <a:lstStyle/>
           <a:p>
-            <a:pPr algn="l">
-              <a:buFont typeface="Arial" panose="020B0604020202020204" pitchFamily="34" charset="0"/>
-              <a:buChar char="•"/>
+            <a:r>
+              <a:rPr lang="en-US" altLang="zh-CN" sz="3200" b="1" dirty="0">
+                <a:solidFill>
+                  <a:schemeClr val="bg1"/>
+                </a:solidFill>
+              </a:rPr>
+              <a:t>Roadblock 3</a:t>
+            </a:r>
+          </a:p>
+          <a:p>
+            <a:r>
+              <a:rPr lang="en-US" altLang="zh-CN" dirty="0">
+                <a:solidFill>
+                  <a:schemeClr val="bg1"/>
+                </a:solidFill>
+              </a:rPr>
+              <a:t>Data sharing between fragments</a:t>
+            </a:r>
+          </a:p>
+          <a:p>
+            <a:endParaRPr lang="en-US" altLang="zh-CN" dirty="0">
+              <a:solidFill>
+                <a:schemeClr val="bg1"/>
+              </a:solidFill>
+            </a:endParaRPr>
+          </a:p>
+          <a:p>
+            <a:endParaRPr lang="en-US" altLang="zh-CN" dirty="0">
+              <a:solidFill>
+                <a:schemeClr val="bg1"/>
+              </a:solidFill>
+            </a:endParaRPr>
+          </a:p>
+          <a:p>
+            <a:endParaRPr lang="zh-CN" altLang="en-US" dirty="0"/>
+          </a:p>
+        </p:txBody>
+      </p:sp>
+      <p:sp>
+        <p:nvSpPr>
+          <p:cNvPr id="7" name="文本框 6">
+            <a:extLst>
+              <a:ext uri="{FF2B5EF4-FFF2-40B4-BE49-F238E27FC236}">
+                <a16:creationId xmlns:a16="http://schemas.microsoft.com/office/drawing/2014/main" id="{5328E58A-64DA-D007-66F0-89772495A992}"/>
+              </a:ext>
+            </a:extLst>
+          </p:cNvPr>
+          <p:cNvSpPr txBox="1"/>
+          <p:nvPr/>
+        </p:nvSpPr>
+        <p:spPr>
+          <a:xfrm>
+            <a:off x="1409841" y="3598310"/>
+            <a:ext cx="4795284" cy="1415772"/>
+          </a:xfrm>
+          <a:prstGeom prst="rect">
+            <a:avLst/>
+          </a:prstGeom>
+          <a:noFill/>
+        </p:spPr>
+        <p:txBody>
+          <a:bodyPr wrap="square" rtlCol="0">
+            <a:spAutoFit/>
+          </a:bodyPr>
+          <a:lstStyle/>
+          <a:p>
+            <a:r>
+              <a:rPr lang="en-US" altLang="zh-CN" sz="3200" b="1" dirty="0">
+                <a:solidFill>
+                  <a:schemeClr val="bg1"/>
+                </a:solidFill>
+              </a:rPr>
+              <a:t>Workaround</a:t>
+            </a:r>
+          </a:p>
+          <a:p>
+            <a:r>
+              <a:rPr lang="en-US" altLang="zh-CN" dirty="0">
+                <a:solidFill>
+                  <a:schemeClr val="bg1"/>
+                </a:solidFill>
+              </a:rPr>
+              <a:t>1. Use </a:t>
+            </a:r>
+            <a:r>
+              <a:rPr lang="en-US" altLang="zh-CN" dirty="0" err="1">
+                <a:solidFill>
+                  <a:schemeClr val="bg1"/>
+                </a:solidFill>
+              </a:rPr>
+              <a:t>ShareViewModel</a:t>
+            </a:r>
+            <a:endParaRPr lang="en-US" altLang="zh-CN" dirty="0">
+              <a:solidFill>
+                <a:schemeClr val="bg1"/>
+              </a:solidFill>
+            </a:endParaRPr>
+          </a:p>
+          <a:p>
+            <a:r>
+              <a:rPr lang="en-US" altLang="zh-CN" dirty="0">
+                <a:solidFill>
+                  <a:schemeClr val="bg1"/>
+                </a:solidFill>
+              </a:rPr>
+              <a:t>2. Use </a:t>
+            </a:r>
+            <a:r>
+              <a:rPr lang="en-US" altLang="zh-CN" dirty="0" err="1">
+                <a:solidFill>
+                  <a:schemeClr val="bg1"/>
+                </a:solidFill>
+              </a:rPr>
+              <a:t>LiveData</a:t>
+            </a:r>
+            <a:r>
+              <a:rPr lang="en-US" altLang="zh-CN" dirty="0">
+                <a:solidFill>
+                  <a:schemeClr val="bg1"/>
+                </a:solidFill>
+              </a:rPr>
+              <a:t> and Observe</a:t>
+            </a:r>
+          </a:p>
+          <a:p>
+            <a:endParaRPr lang="zh-CN" altLang="en-US" dirty="0">
+              <a:solidFill>
+                <a:schemeClr val="bg1"/>
+              </a:solidFill>
+            </a:endParaRPr>
+          </a:p>
+        </p:txBody>
+      </p:sp>
+      <p:pic>
+        <p:nvPicPr>
+          <p:cNvPr id="2" name="Google Shape;131;p4" descr="图形用户界面, 文本, 聊天或短信&#10;&#10;描述已自动生成">
+            <a:extLst>
+              <a:ext uri="{FF2B5EF4-FFF2-40B4-BE49-F238E27FC236}">
+                <a16:creationId xmlns:a16="http://schemas.microsoft.com/office/drawing/2014/main" id="{C2C74048-673B-228A-3522-1AD428E8B676}"/>
+              </a:ext>
+            </a:extLst>
+          </p:cNvPr>
+          <p:cNvPicPr preferRelativeResize="0"/>
+          <p:nvPr/>
+        </p:nvPicPr>
+        <p:blipFill rotWithShape="1">
+          <a:blip r:embed="rId2">
+            <a:alphaModFix/>
+          </a:blip>
+          <a:srcRect/>
+          <a:stretch/>
+        </p:blipFill>
+        <p:spPr>
+          <a:xfrm>
+            <a:off x="7619999" y="857693"/>
+            <a:ext cx="3500619" cy="4658359"/>
+          </a:xfrm>
+          <a:prstGeom prst="rect">
+            <a:avLst/>
+          </a:prstGeom>
+          <a:noFill/>
+          <a:ln>
+            <a:noFill/>
+          </a:ln>
+        </p:spPr>
+      </p:pic>
+      <p:sp>
+        <p:nvSpPr>
+          <p:cNvPr id="8" name="Google Shape;132;p4">
+            <a:extLst>
+              <a:ext uri="{FF2B5EF4-FFF2-40B4-BE49-F238E27FC236}">
+                <a16:creationId xmlns:a16="http://schemas.microsoft.com/office/drawing/2014/main" id="{2C6F263C-8FBF-5B7C-4963-9DA69C200B25}"/>
+              </a:ext>
+            </a:extLst>
+          </p:cNvPr>
+          <p:cNvSpPr/>
+          <p:nvPr/>
+        </p:nvSpPr>
+        <p:spPr>
+          <a:xfrm>
+            <a:off x="8606932" y="5253057"/>
+            <a:ext cx="2175227" cy="262995"/>
+          </a:xfrm>
+          <a:prstGeom prst="rect">
+            <a:avLst/>
+          </a:prstGeom>
+          <a:solidFill>
+            <a:schemeClr val="accent1">
+              <a:alpha val="0"/>
+            </a:schemeClr>
+          </a:solidFill>
+          <a:ln w="25400" cap="flat" cmpd="sng">
+            <a:solidFill>
+              <a:srgbClr val="FF0000"/>
+            </a:solidFill>
+            <a:prstDash val="solid"/>
+            <a:round/>
+            <a:headEnd type="none" w="sm" len="sm"/>
+            <a:tailEnd type="none" w="sm" len="sm"/>
+          </a:ln>
+        </p:spPr>
+        <p:txBody>
+          <a:bodyPr spcFirstLastPara="1" wrap="square" lIns="91425" tIns="45700" rIns="91425" bIns="45700" anchor="ctr" anchorCtr="0">
+            <a:noAutofit/>
+          </a:bodyPr>
+          <a:lstStyle/>
+          <a:p>
+            <a:pPr marL="0" marR="0" lvl="0" indent="0" algn="ctr" rtl="0">
+              <a:lnSpc>
+                <a:spcPct val="100000"/>
+              </a:lnSpc>
+              <a:spcBef>
+                <a:spcPts val="0"/>
+              </a:spcBef>
+              <a:spcAft>
+                <a:spcPts val="0"/>
+              </a:spcAft>
+              <a:buNone/>
             </a:pPr>
-            <a:r>
-              <a:rPr lang="en-US" altLang="zh-CN" b="0" i="0" dirty="0">
-                <a:solidFill>
-                  <a:schemeClr val="bg1"/>
-                </a:solidFill>
-                <a:effectLst/>
-                <a:latin typeface="arial" panose="020B0604020202020204" pitchFamily="34" charset="0"/>
-              </a:rPr>
-              <a:t>Implementation Details</a:t>
-            </a:r>
-          </a:p>
-          <a:p>
-            <a:pPr marL="742950" lvl="1" indent="-285750" algn="l">
-              <a:buFont typeface="Arial" panose="020B0604020202020204" pitchFamily="34" charset="0"/>
-              <a:buChar char="•"/>
-            </a:pPr>
-            <a:r>
-              <a:rPr lang="en-US" altLang="zh-CN" b="0" i="0" dirty="0">
-                <a:solidFill>
-                  <a:schemeClr val="bg1"/>
-                </a:solidFill>
-                <a:effectLst/>
-                <a:latin typeface="arial" panose="020B0604020202020204" pitchFamily="34" charset="0"/>
-              </a:rPr>
-              <a:t>Future Work</a:t>
-            </a:r>
-          </a:p>
-          <a:p>
-            <a:endParaRPr lang="zh-CN" altLang="en-US" dirty="0"/>
-          </a:p>
-        </p:txBody>
-      </p:sp>
+            <a:endParaRPr sz="1400" b="0" i="0" u="none" strike="noStrike" cap="none">
+              <a:solidFill>
+                <a:schemeClr val="lt1"/>
+              </a:solidFill>
+              <a:latin typeface="Arial"/>
+              <a:ea typeface="Arial"/>
+              <a:cs typeface="Arial"/>
+              <a:sym typeface="Arial"/>
+            </a:endParaRPr>
+          </a:p>
+        </p:txBody>
+      </p:sp>
+      <p:cxnSp>
+        <p:nvCxnSpPr>
+          <p:cNvPr id="12" name="Google Shape;133;p4">
+            <a:extLst>
+              <a:ext uri="{FF2B5EF4-FFF2-40B4-BE49-F238E27FC236}">
+                <a16:creationId xmlns:a16="http://schemas.microsoft.com/office/drawing/2014/main" id="{E35DEDF5-85D8-F3D1-1A5B-A88EBC5FAEBD}"/>
+              </a:ext>
+            </a:extLst>
+          </p:cNvPr>
+          <p:cNvCxnSpPr>
+            <a:cxnSpLocks/>
+          </p:cNvCxnSpPr>
+          <p:nvPr/>
+        </p:nvCxnSpPr>
+        <p:spPr>
+          <a:xfrm>
+            <a:off x="9196479" y="3186872"/>
+            <a:ext cx="1585680" cy="82499"/>
+          </a:xfrm>
+          <a:prstGeom prst="straightConnector1">
+            <a:avLst/>
+          </a:prstGeom>
+          <a:noFill/>
+          <a:ln w="9525" cap="flat" cmpd="sng">
+            <a:solidFill>
+              <a:srgbClr val="FF0000"/>
+            </a:solidFill>
+            <a:prstDash val="solid"/>
+            <a:round/>
+            <a:headEnd type="none" w="sm" len="sm"/>
+            <a:tailEnd type="none" w="sm" len="sm"/>
+          </a:ln>
+        </p:spPr>
+      </p:cxnSp>
+      <p:cxnSp>
+        <p:nvCxnSpPr>
+          <p:cNvPr id="13" name="Google Shape;134;p4">
+            <a:extLst>
+              <a:ext uri="{FF2B5EF4-FFF2-40B4-BE49-F238E27FC236}">
+                <a16:creationId xmlns:a16="http://schemas.microsoft.com/office/drawing/2014/main" id="{72A5A3E0-D442-F859-0CDD-DF3BF2FCE13D}"/>
+              </a:ext>
+            </a:extLst>
+          </p:cNvPr>
+          <p:cNvCxnSpPr>
+            <a:cxnSpLocks/>
+          </p:cNvCxnSpPr>
+          <p:nvPr/>
+        </p:nvCxnSpPr>
+        <p:spPr>
+          <a:xfrm>
+            <a:off x="9244605" y="3961908"/>
+            <a:ext cx="1585680" cy="82499"/>
+          </a:xfrm>
+          <a:prstGeom prst="straightConnector1">
+            <a:avLst/>
+          </a:prstGeom>
+          <a:noFill/>
+          <a:ln w="9525" cap="flat" cmpd="sng">
+            <a:solidFill>
+              <a:srgbClr val="FF0000"/>
+            </a:solidFill>
+            <a:prstDash val="solid"/>
+            <a:round/>
+            <a:headEnd type="none" w="sm" len="sm"/>
+            <a:tailEnd type="none" w="sm" len="sm"/>
+          </a:ln>
+        </p:spPr>
+      </p:cxnSp>
+      <p:cxnSp>
+        <p:nvCxnSpPr>
+          <p:cNvPr id="14" name="Google Shape;135;p4">
+            <a:extLst>
+              <a:ext uri="{FF2B5EF4-FFF2-40B4-BE49-F238E27FC236}">
+                <a16:creationId xmlns:a16="http://schemas.microsoft.com/office/drawing/2014/main" id="{4B79DFB0-9147-265A-B5C8-9F6D40CD6CF0}"/>
+              </a:ext>
+            </a:extLst>
+          </p:cNvPr>
+          <p:cNvCxnSpPr>
+            <a:cxnSpLocks/>
+          </p:cNvCxnSpPr>
+          <p:nvPr/>
+        </p:nvCxnSpPr>
+        <p:spPr>
+          <a:xfrm>
+            <a:off x="9244605" y="4810086"/>
+            <a:ext cx="1585680" cy="82499"/>
+          </a:xfrm>
+          <a:prstGeom prst="straightConnector1">
+            <a:avLst/>
+          </a:prstGeom>
+          <a:noFill/>
+          <a:ln w="9525" cap="flat" cmpd="sng">
+            <a:solidFill>
+              <a:srgbClr val="FF0000"/>
+            </a:solidFill>
+            <a:prstDash val="solid"/>
+            <a:round/>
+            <a:headEnd type="none" w="sm" len="sm"/>
+            <a:tailEnd type="none" w="sm" len="sm"/>
+          </a:ln>
+        </p:spPr>
+      </p:cxnSp>
     </p:spTree>
     <p:extLst>
       <p:ext uri="{BB962C8B-B14F-4D97-AF65-F5344CB8AC3E}">
-        <p14:creationId xmlns:p14="http://schemas.microsoft.com/office/powerpoint/2010/main" val="1143018910"/>
+        <p14:creationId xmlns:p14="http://schemas.microsoft.com/office/powerpoint/2010/main" val="3428631604"/>
       </p:ext>
     </p:extLst>
   </p:cSld>
@@ -3789,7 +4843,7 @@
           <p:cNvPr id="4" name="文本框 3">
             <a:extLst>
               <a:ext uri="{FF2B5EF4-FFF2-40B4-BE49-F238E27FC236}">
-                <a16:creationId xmlns:a16="http://schemas.microsoft.com/office/drawing/2014/main" id="{1C6D8DEF-4EB1-6AD1-35E4-1D942DC48E51}"/>
+                <a16:creationId xmlns:a16="http://schemas.microsoft.com/office/drawing/2014/main" id="{DC25F9B3-3181-004A-BF09-08C4B608B89D}"/>
               </a:ext>
             </a:extLst>
           </p:cNvPr>
@@ -3798,8 +4852,8 @@
         </p:nvSpPr>
         <p:spPr>
           <a:xfrm>
-            <a:off x="1155356" y="580768"/>
-            <a:ext cx="1168910" cy="369332"/>
+            <a:off x="336698" y="799023"/>
+            <a:ext cx="4476308" cy="2246769"/>
           </a:xfrm>
           <a:prstGeom prst="rect">
             <a:avLst/>
@@ -3807,19 +4861,137 @@
           <a:noFill/>
         </p:spPr>
         <p:txBody>
-          <a:bodyPr wrap="none" rtlCol="0">
+          <a:bodyPr wrap="square" rtlCol="0">
             <a:spAutoFit/>
           </a:bodyPr>
           <a:lstStyle/>
           <a:p>
             <a:r>
+              <a:rPr lang="en-US" altLang="zh-CN" sz="3200" b="1" dirty="0">
+                <a:solidFill>
+                  <a:schemeClr val="bg1"/>
+                </a:solidFill>
+              </a:rPr>
+              <a:t>Roadblock 4</a:t>
+            </a:r>
+          </a:p>
+          <a:p>
+            <a:r>
               <a:rPr lang="en-US" altLang="zh-CN" dirty="0">
                 <a:solidFill>
                   <a:schemeClr val="bg1"/>
                 </a:solidFill>
               </a:rPr>
-              <a:t>Reference</a:t>
-            </a:r>
+              <a:t>Database Setup</a:t>
+            </a:r>
+          </a:p>
+          <a:p>
+            <a:r>
+              <a:rPr lang="en-US" altLang="zh-CN" dirty="0">
+                <a:solidFill>
+                  <a:schemeClr val="bg1"/>
+                </a:solidFill>
+              </a:rPr>
+              <a:t>1. Supported Resort Database </a:t>
+            </a:r>
+          </a:p>
+          <a:p>
+            <a:r>
+              <a:rPr lang="en-US" altLang="zh-CN" dirty="0">
+                <a:solidFill>
+                  <a:schemeClr val="bg1"/>
+                </a:solidFill>
+              </a:rPr>
+              <a:t>2. User Preference Storage</a:t>
+            </a:r>
+          </a:p>
+          <a:p>
+            <a:endParaRPr lang="en-US" altLang="zh-CN" dirty="0">
+              <a:solidFill>
+                <a:schemeClr val="bg1"/>
+              </a:solidFill>
+            </a:endParaRPr>
+          </a:p>
+          <a:p>
+            <a:endParaRPr lang="en-US" altLang="zh-CN" dirty="0">
+              <a:solidFill>
+                <a:schemeClr val="bg1"/>
+              </a:solidFill>
+            </a:endParaRPr>
+          </a:p>
+          <a:p>
+            <a:endParaRPr lang="zh-CN" altLang="en-US" dirty="0"/>
+          </a:p>
+        </p:txBody>
+      </p:sp>
+      <p:sp>
+        <p:nvSpPr>
+          <p:cNvPr id="7" name="文本框 6">
+            <a:extLst>
+              <a:ext uri="{FF2B5EF4-FFF2-40B4-BE49-F238E27FC236}">
+                <a16:creationId xmlns:a16="http://schemas.microsoft.com/office/drawing/2014/main" id="{5328E58A-64DA-D007-66F0-89772495A992}"/>
+              </a:ext>
+            </a:extLst>
+          </p:cNvPr>
+          <p:cNvSpPr txBox="1"/>
+          <p:nvPr/>
+        </p:nvSpPr>
+        <p:spPr>
+          <a:xfrm>
+            <a:off x="310227" y="2903232"/>
+            <a:ext cx="5197438" cy="1692771"/>
+          </a:xfrm>
+          <a:prstGeom prst="rect">
+            <a:avLst/>
+          </a:prstGeom>
+          <a:noFill/>
+        </p:spPr>
+        <p:txBody>
+          <a:bodyPr wrap="square" rtlCol="0">
+            <a:spAutoFit/>
+          </a:bodyPr>
+          <a:lstStyle/>
+          <a:p>
+            <a:r>
+              <a:rPr lang="en-US" altLang="zh-CN" sz="3200" b="1" dirty="0">
+                <a:solidFill>
+                  <a:schemeClr val="bg1"/>
+                </a:solidFill>
+              </a:rPr>
+              <a:t>Workaround</a:t>
+            </a:r>
+          </a:p>
+          <a:p>
+            <a:r>
+              <a:rPr lang="en-US" altLang="zh-CN" dirty="0">
+                <a:solidFill>
+                  <a:schemeClr val="bg1"/>
+                </a:solidFill>
+              </a:rPr>
+              <a:t>1. Two database with SQLite – Resort and Preference</a:t>
+            </a:r>
+          </a:p>
+          <a:p>
+            <a:r>
+              <a:rPr lang="en-US" altLang="zh-CN" dirty="0">
+                <a:solidFill>
+                  <a:schemeClr val="bg1"/>
+                </a:solidFill>
+              </a:rPr>
+              <a:t>2. YouTube Tutorial </a:t>
+            </a:r>
+          </a:p>
+          <a:p>
+            <a:r>
+              <a:rPr lang="en-US" altLang="zh-CN" dirty="0">
+                <a:solidFill>
+                  <a:schemeClr val="bg1"/>
+                </a:solidFill>
+              </a:rPr>
+              <a:t>3. Slightly different for two database and handling</a:t>
+            </a:r>
+          </a:p>
+          <a:p>
             <a:endParaRPr lang="zh-CN" altLang="en-US" dirty="0">
               <a:solidFill>
                 <a:schemeClr val="bg1"/>
@@ -3828,10 +5000,493 @@
           </a:p>
         </p:txBody>
       </p:sp>
+      <p:sp>
+        <p:nvSpPr>
+          <p:cNvPr id="11" name="箭头: 右 10">
+            <a:extLst>
+              <a:ext uri="{FF2B5EF4-FFF2-40B4-BE49-F238E27FC236}">
+                <a16:creationId xmlns:a16="http://schemas.microsoft.com/office/drawing/2014/main" id="{8B2AC528-129F-D08B-1CA7-2EFFEA13F351}"/>
+              </a:ext>
+            </a:extLst>
+          </p:cNvPr>
+          <p:cNvSpPr/>
+          <p:nvPr/>
+        </p:nvSpPr>
+        <p:spPr>
+          <a:xfrm rot="2180457">
+            <a:off x="4141224" y="2028731"/>
+            <a:ext cx="1013637" cy="553440"/>
+          </a:xfrm>
+          <a:prstGeom prst="rightArrow">
+            <a:avLst/>
+          </a:prstGeom>
+        </p:spPr>
+        <p:style>
+          <a:lnRef idx="2">
+            <a:schemeClr val="accent1">
+              <a:shade val="15000"/>
+            </a:schemeClr>
+          </a:lnRef>
+          <a:fillRef idx="1">
+            <a:schemeClr val="accent1"/>
+          </a:fillRef>
+          <a:effectRef idx="0">
+            <a:schemeClr val="accent1"/>
+          </a:effectRef>
+          <a:fontRef idx="minor">
+            <a:schemeClr val="lt1"/>
+          </a:fontRef>
+        </p:style>
+        <p:txBody>
+          <a:bodyPr rtlCol="0" anchor="ctr"/>
+          <a:lstStyle/>
+          <a:p>
+            <a:pPr algn="ctr"/>
+            <a:endParaRPr lang="zh-CN" altLang="en-US"/>
+          </a:p>
+        </p:txBody>
+      </p:sp>
+      <p:pic>
+        <p:nvPicPr>
+          <p:cNvPr id="8" name="图片 7" descr="徽标, 公司名称&#10;&#10;描述已自动生成">
+            <a:extLst>
+              <a:ext uri="{FF2B5EF4-FFF2-40B4-BE49-F238E27FC236}">
+                <a16:creationId xmlns:a16="http://schemas.microsoft.com/office/drawing/2014/main" id="{DE7947CD-000A-2BA8-2853-979E99497DE2}"/>
+              </a:ext>
+            </a:extLst>
+          </p:cNvPr>
+          <p:cNvPicPr>
+            <a:picLocks noChangeAspect="1"/>
+          </p:cNvPicPr>
+          <p:nvPr/>
+        </p:nvPicPr>
+        <p:blipFill>
+          <a:blip r:embed="rId2">
+            <a:extLst>
+              <a:ext uri="{28A0092B-C50C-407E-A947-70E740481C1C}">
+                <a14:useLocalDpi xmlns:a14="http://schemas.microsoft.com/office/drawing/2010/main" val="0"/>
+              </a:ext>
+            </a:extLst>
+          </a:blip>
+          <a:stretch>
+            <a:fillRect/>
+          </a:stretch>
+        </p:blipFill>
+        <p:spPr>
+          <a:xfrm>
+            <a:off x="1415917" y="4670551"/>
+            <a:ext cx="2317869" cy="958899"/>
+          </a:xfrm>
+          <a:prstGeom prst="rect">
+            <a:avLst/>
+          </a:prstGeom>
+        </p:spPr>
+      </p:pic>
     </p:spTree>
     <p:extLst>
       <p:ext uri="{BB962C8B-B14F-4D97-AF65-F5344CB8AC3E}">
-        <p14:creationId xmlns:p14="http://schemas.microsoft.com/office/powerpoint/2010/main" val="1843445300"/>
+        <p14:creationId xmlns:p14="http://schemas.microsoft.com/office/powerpoint/2010/main" val="1344652004"/>
+      </p:ext>
+    </p:extLst>
+  </p:cSld>
+  <p:clrMapOvr>
+    <a:masterClrMapping/>
+  </p:clrMapOvr>
+</p:sld>
+</file>
+
+<file path=ppt/slides/slide7.xml><?xml version="1.0" encoding="utf-8"?>
+<p:sld xmlns:a="http://schemas.openxmlformats.org/drawingml/2006/main" xmlns:r="http://schemas.openxmlformats.org/officeDocument/2006/relationships" xmlns:p="http://schemas.openxmlformats.org/presentationml/2006/main">
+  <p:cSld>
+    <p:bg>
+      <p:bgPr>
+        <a:solidFill>
+          <a:schemeClr val="tx2">
+            <a:lumMod val="50000"/>
+          </a:schemeClr>
+        </a:solidFill>
+        <a:effectLst/>
+      </p:bgPr>
+    </p:bg>
+    <p:spTree>
+      <p:nvGrpSpPr>
+        <p:cNvPr id="1" name=""/>
+        <p:cNvGrpSpPr/>
+        <p:nvPr/>
+      </p:nvGrpSpPr>
+      <p:grpSpPr>
+        <a:xfrm>
+          <a:off x="0" y="0"/>
+          <a:ext cx="0" cy="0"/>
+          <a:chOff x="0" y="0"/>
+          <a:chExt cx="0" cy="0"/>
+        </a:xfrm>
+      </p:grpSpPr>
+      <p:sp>
+        <p:nvSpPr>
+          <p:cNvPr id="4" name="文本框 3">
+            <a:extLst>
+              <a:ext uri="{FF2B5EF4-FFF2-40B4-BE49-F238E27FC236}">
+                <a16:creationId xmlns:a16="http://schemas.microsoft.com/office/drawing/2014/main" id="{7CDE0519-8F3B-C0FD-C496-21CE70E21A4D}"/>
+              </a:ext>
+            </a:extLst>
+          </p:cNvPr>
+          <p:cNvSpPr txBox="1"/>
+          <p:nvPr/>
+        </p:nvSpPr>
+        <p:spPr>
+          <a:xfrm>
+            <a:off x="284204" y="389405"/>
+            <a:ext cx="10101649" cy="923330"/>
+          </a:xfrm>
+          <a:prstGeom prst="rect">
+            <a:avLst/>
+          </a:prstGeom>
+          <a:noFill/>
+        </p:spPr>
+        <p:txBody>
+          <a:bodyPr wrap="square" rtlCol="0">
+            <a:spAutoFit/>
+          </a:bodyPr>
+          <a:lstStyle/>
+          <a:p>
+            <a:pPr algn="l">
+              <a:buFont typeface="Arial" panose="020B0604020202020204" pitchFamily="34" charset="0"/>
+              <a:buChar char="•"/>
+            </a:pPr>
+            <a:r>
+              <a:rPr lang="en-US" altLang="zh-CN" b="0" i="0" dirty="0">
+                <a:solidFill>
+                  <a:schemeClr val="bg1"/>
+                </a:solidFill>
+                <a:effectLst/>
+                <a:latin typeface="arial" panose="020B0604020202020204" pitchFamily="34" charset="0"/>
+              </a:rPr>
+              <a:t>Implementation Details, Including:</a:t>
+            </a:r>
+          </a:p>
+          <a:p>
+            <a:pPr marL="742950" lvl="1" indent="-285750" algn="l">
+              <a:buFont typeface="Arial" panose="020B0604020202020204" pitchFamily="34" charset="0"/>
+              <a:buChar char="•"/>
+            </a:pPr>
+            <a:r>
+              <a:rPr lang="en-US" altLang="zh-CN" b="0" i="0" dirty="0">
+                <a:solidFill>
+                  <a:schemeClr val="bg1"/>
+                </a:solidFill>
+                <a:effectLst/>
+                <a:latin typeface="arial" panose="020B0604020202020204" pitchFamily="34" charset="0"/>
+              </a:rPr>
+              <a:t>Roadblocks/Surprises/Workarounds</a:t>
+            </a:r>
+          </a:p>
+          <a:p>
+            <a:endParaRPr lang="zh-CN" altLang="en-US" dirty="0"/>
+          </a:p>
+        </p:txBody>
+      </p:sp>
+      <p:sp>
+        <p:nvSpPr>
+          <p:cNvPr id="5" name="文本框 4">
+            <a:extLst>
+              <a:ext uri="{FF2B5EF4-FFF2-40B4-BE49-F238E27FC236}">
+                <a16:creationId xmlns:a16="http://schemas.microsoft.com/office/drawing/2014/main" id="{2B392E39-9569-4CC3-D129-87AE291FD5D5}"/>
+              </a:ext>
+            </a:extLst>
+          </p:cNvPr>
+          <p:cNvSpPr txBox="1"/>
+          <p:nvPr/>
+        </p:nvSpPr>
+        <p:spPr>
+          <a:xfrm>
+            <a:off x="1927654" y="2397211"/>
+            <a:ext cx="3589765" cy="2308324"/>
+          </a:xfrm>
+          <a:prstGeom prst="rect">
+            <a:avLst/>
+          </a:prstGeom>
+          <a:noFill/>
+        </p:spPr>
+        <p:txBody>
+          <a:bodyPr wrap="none" rtlCol="0">
+            <a:spAutoFit/>
+          </a:bodyPr>
+          <a:lstStyle/>
+          <a:p>
+            <a:r>
+              <a:rPr lang="en-US" altLang="zh-CN" dirty="0">
+                <a:solidFill>
+                  <a:schemeClr val="bg1"/>
+                </a:solidFill>
+              </a:rPr>
+              <a:t>Roadblocks: </a:t>
+            </a:r>
+          </a:p>
+          <a:p>
+            <a:r>
+              <a:rPr lang="en-US" altLang="zh-CN" dirty="0">
+                <a:solidFill>
+                  <a:schemeClr val="bg1"/>
+                </a:solidFill>
+              </a:rPr>
+              <a:t>Database build up</a:t>
+            </a:r>
+          </a:p>
+          <a:p>
+            <a:endParaRPr lang="en-US" altLang="zh-CN" dirty="0">
+              <a:solidFill>
+                <a:schemeClr val="bg1"/>
+              </a:solidFill>
+            </a:endParaRPr>
+          </a:p>
+          <a:p>
+            <a:r>
+              <a:rPr lang="en-US" altLang="zh-CN" dirty="0">
+                <a:solidFill>
+                  <a:schemeClr val="bg1"/>
+                </a:solidFill>
+              </a:rPr>
+              <a:t>Surprises : Hotel(API server outrage)</a:t>
+            </a:r>
+          </a:p>
+          <a:p>
+            <a:endParaRPr lang="en-US" altLang="zh-CN" dirty="0">
+              <a:solidFill>
+                <a:schemeClr val="bg1"/>
+              </a:solidFill>
+            </a:endParaRPr>
+          </a:p>
+          <a:p>
+            <a:r>
+              <a:rPr lang="en-US" altLang="zh-CN" dirty="0">
+                <a:solidFill>
+                  <a:schemeClr val="bg1"/>
+                </a:solidFill>
+              </a:rPr>
+              <a:t>Workarounds</a:t>
+            </a:r>
+          </a:p>
+          <a:p>
+            <a:endParaRPr lang="en-US" altLang="zh-CN" dirty="0"/>
+          </a:p>
+          <a:p>
+            <a:endParaRPr lang="zh-CN" altLang="en-US" dirty="0"/>
+          </a:p>
+        </p:txBody>
+      </p:sp>
+    </p:spTree>
+    <p:extLst>
+      <p:ext uri="{BB962C8B-B14F-4D97-AF65-F5344CB8AC3E}">
+        <p14:creationId xmlns:p14="http://schemas.microsoft.com/office/powerpoint/2010/main" val="2229641142"/>
+      </p:ext>
+    </p:extLst>
+  </p:cSld>
+  <p:clrMapOvr>
+    <a:masterClrMapping/>
+  </p:clrMapOvr>
+</p:sld>
+</file>
+
+<file path=ppt/slides/slide8.xml><?xml version="1.0" encoding="utf-8"?>
+<p:sld xmlns:a="http://schemas.openxmlformats.org/drawingml/2006/main" xmlns:r="http://schemas.openxmlformats.org/officeDocument/2006/relationships" xmlns:p="http://schemas.openxmlformats.org/presentationml/2006/main">
+  <p:cSld>
+    <p:bg>
+      <p:bgPr>
+        <a:solidFill>
+          <a:schemeClr val="tx2">
+            <a:lumMod val="50000"/>
+          </a:schemeClr>
+        </a:solidFill>
+        <a:effectLst/>
+      </p:bgPr>
+    </p:bg>
+    <p:spTree>
+      <p:nvGrpSpPr>
+        <p:cNvPr id="1" name=""/>
+        <p:cNvGrpSpPr/>
+        <p:nvPr/>
+      </p:nvGrpSpPr>
+      <p:grpSpPr>
+        <a:xfrm>
+          <a:off x="0" y="0"/>
+          <a:ext cx="0" cy="0"/>
+          <a:chOff x="0" y="0"/>
+          <a:chExt cx="0" cy="0"/>
+        </a:xfrm>
+      </p:grpSpPr>
+      <p:sp>
+        <p:nvSpPr>
+          <p:cNvPr id="4" name="文本框 3">
+            <a:extLst>
+              <a:ext uri="{FF2B5EF4-FFF2-40B4-BE49-F238E27FC236}">
+                <a16:creationId xmlns:a16="http://schemas.microsoft.com/office/drawing/2014/main" id="{F4DDC82C-77C1-6876-C14B-D5B8AA616202}"/>
+              </a:ext>
+            </a:extLst>
+          </p:cNvPr>
+          <p:cNvSpPr txBox="1"/>
+          <p:nvPr/>
+        </p:nvSpPr>
+        <p:spPr>
+          <a:xfrm>
+            <a:off x="259491" y="574756"/>
+            <a:ext cx="10101649" cy="923330"/>
+          </a:xfrm>
+          <a:prstGeom prst="rect">
+            <a:avLst/>
+          </a:prstGeom>
+          <a:noFill/>
+        </p:spPr>
+        <p:txBody>
+          <a:bodyPr wrap="square" rtlCol="0">
+            <a:spAutoFit/>
+          </a:bodyPr>
+          <a:lstStyle/>
+          <a:p>
+            <a:pPr algn="l">
+              <a:buFont typeface="Arial" panose="020B0604020202020204" pitchFamily="34" charset="0"/>
+              <a:buChar char="•"/>
+            </a:pPr>
+            <a:r>
+              <a:rPr lang="en-US" altLang="zh-CN" b="0" i="0" dirty="0">
+                <a:solidFill>
+                  <a:schemeClr val="bg1"/>
+                </a:solidFill>
+                <a:effectLst/>
+                <a:latin typeface="arial" panose="020B0604020202020204" pitchFamily="34" charset="0"/>
+              </a:rPr>
+              <a:t>Implementation Details</a:t>
+            </a:r>
+          </a:p>
+          <a:p>
+            <a:pPr algn="l">
+              <a:buFont typeface="Arial" panose="020B0604020202020204" pitchFamily="34" charset="0"/>
+              <a:buChar char="•"/>
+            </a:pPr>
+            <a:r>
+              <a:rPr lang="en-US" altLang="zh-CN" b="0" i="0" dirty="0">
+                <a:solidFill>
+                  <a:schemeClr val="bg1"/>
+                </a:solidFill>
+                <a:effectLst/>
+                <a:latin typeface="arial" panose="020B0604020202020204" pitchFamily="34" charset="0"/>
+              </a:rPr>
+              <a:t>What would you do differently?</a:t>
+            </a:r>
+          </a:p>
+          <a:p>
+            <a:endParaRPr lang="zh-CN" altLang="en-US" dirty="0"/>
+          </a:p>
+        </p:txBody>
+      </p:sp>
+    </p:spTree>
+    <p:extLst>
+      <p:ext uri="{BB962C8B-B14F-4D97-AF65-F5344CB8AC3E}">
+        <p14:creationId xmlns:p14="http://schemas.microsoft.com/office/powerpoint/2010/main" val="1970900394"/>
+      </p:ext>
+    </p:extLst>
+  </p:cSld>
+  <p:clrMapOvr>
+    <a:masterClrMapping/>
+  </p:clrMapOvr>
+</p:sld>
+</file>
+
+<file path=ppt/slides/slide9.xml><?xml version="1.0" encoding="utf-8"?>
+<p:sld xmlns:a="http://schemas.openxmlformats.org/drawingml/2006/main" xmlns:r="http://schemas.openxmlformats.org/officeDocument/2006/relationships" xmlns:p="http://schemas.openxmlformats.org/presentationml/2006/main">
+  <p:cSld>
+    <p:bg>
+      <p:bgPr>
+        <a:solidFill>
+          <a:schemeClr val="tx2">
+            <a:lumMod val="50000"/>
+          </a:schemeClr>
+        </a:solidFill>
+        <a:effectLst/>
+      </p:bgPr>
+    </p:bg>
+    <p:spTree>
+      <p:nvGrpSpPr>
+        <p:cNvPr id="1" name=""/>
+        <p:cNvGrpSpPr/>
+        <p:nvPr/>
+      </p:nvGrpSpPr>
+      <p:grpSpPr>
+        <a:xfrm>
+          <a:off x="0" y="0"/>
+          <a:ext cx="0" cy="0"/>
+          <a:chOff x="0" y="0"/>
+          <a:chExt cx="0" cy="0"/>
+        </a:xfrm>
+      </p:grpSpPr>
+      <p:sp>
+        <p:nvSpPr>
+          <p:cNvPr id="4" name="文本框 3">
+            <a:extLst>
+              <a:ext uri="{FF2B5EF4-FFF2-40B4-BE49-F238E27FC236}">
+                <a16:creationId xmlns:a16="http://schemas.microsoft.com/office/drawing/2014/main" id="{4E4A42F4-CF40-79D6-C88A-590AB5602612}"/>
+              </a:ext>
+            </a:extLst>
+          </p:cNvPr>
+          <p:cNvSpPr txBox="1"/>
+          <p:nvPr/>
+        </p:nvSpPr>
+        <p:spPr>
+          <a:xfrm>
+            <a:off x="574588" y="605647"/>
+            <a:ext cx="10101649" cy="923330"/>
+          </a:xfrm>
+          <a:prstGeom prst="rect">
+            <a:avLst/>
+          </a:prstGeom>
+          <a:noFill/>
+        </p:spPr>
+        <p:txBody>
+          <a:bodyPr wrap="square" rtlCol="0">
+            <a:spAutoFit/>
+          </a:bodyPr>
+          <a:lstStyle/>
+          <a:p>
+            <a:pPr algn="l">
+              <a:buFont typeface="Arial" panose="020B0604020202020204" pitchFamily="34" charset="0"/>
+              <a:buChar char="•"/>
+            </a:pPr>
+            <a:r>
+              <a:rPr lang="en-US" altLang="zh-CN" b="0" i="0" dirty="0">
+                <a:solidFill>
+                  <a:schemeClr val="bg1"/>
+                </a:solidFill>
+                <a:effectLst/>
+                <a:latin typeface="arial" panose="020B0604020202020204" pitchFamily="34" charset="0"/>
+              </a:rPr>
+              <a:t>Implementation Details</a:t>
+            </a:r>
+          </a:p>
+          <a:p>
+            <a:pPr marL="742950" lvl="1" indent="-285750" algn="l">
+              <a:buFont typeface="Arial" panose="020B0604020202020204" pitchFamily="34" charset="0"/>
+              <a:buChar char="•"/>
+            </a:pPr>
+            <a:r>
+              <a:rPr lang="en-US" altLang="zh-CN" b="0" i="0" dirty="0">
+                <a:solidFill>
+                  <a:schemeClr val="bg1"/>
+                </a:solidFill>
+                <a:effectLst/>
+                <a:latin typeface="arial" panose="020B0604020202020204" pitchFamily="34" charset="0"/>
+              </a:rPr>
+              <a:t>Future Work</a:t>
+            </a:r>
+          </a:p>
+          <a:p>
+            <a:endParaRPr lang="zh-CN" altLang="en-US" dirty="0"/>
+          </a:p>
+        </p:txBody>
+      </p:sp>
+    </p:spTree>
+    <p:extLst>
+      <p:ext uri="{BB962C8B-B14F-4D97-AF65-F5344CB8AC3E}">
+        <p14:creationId xmlns:p14="http://schemas.microsoft.com/office/powerpoint/2010/main" val="1143018910"/>
       </p:ext>
     </p:extLst>
   </p:cSld>
